--- a/Disused code/Misc/DLM_DFO/Lectures/2 Running DLMtool/L2a Getting started.pptx
+++ b/Disused code/Misc/DLM_DFO/Lectures/2 Running DLMtool/L2a Getting started.pptx
@@ -8,7 +8,7 @@
     <p:notesMasterId r:id="rId7"/>
   </p:notesMasterIdLst>
   <p:sldIdLst>
-    <p:sldId id="257" r:id="rId2"/>
+    <p:sldId id="289" r:id="rId2"/>
     <p:sldId id="258" r:id="rId3"/>
     <p:sldId id="267" r:id="rId4"/>
     <p:sldId id="266" r:id="rId5"/>
@@ -143,7 +143,7 @@
   </p:defaultTextStyle>
   <p:extLst>
     <p:ext uri="{EFAFB233-063F-42B5-8137-9DF3F51BA10A}">
-      <p15:sldGuideLst xmlns="" xmlns:p15="http://schemas.microsoft.com/office/powerpoint/2012/main">
+      <p15:sldGuideLst xmlns:p15="http://schemas.microsoft.com/office/powerpoint/2012/main">
         <p15:guide id="1" orient="horz" pos="2160">
           <p15:clr>
             <a:srgbClr val="A4A3A4"/>
@@ -158,6 +158,10 @@
     </p:ext>
   </p:extLst>
 </p:presentation>
+</file>
+
+<file path=ppt/revisionInfo.xml><?xml version="1.0" encoding="utf-8"?>
+<p1510:revInfo xmlns:a="http://schemas.openxmlformats.org/drawingml/2006/main" xmlns:r="http://schemas.openxmlformats.org/officeDocument/2006/relationships" xmlns:p1510="http://schemas.microsoft.com/office/powerpoint/2015/10/main"/>
 </file>
 
 <file path=ppt/notesMasters/notesMaster1.xml><?xml version="1.0" encoding="utf-8"?>
@@ -242,7 +246,7 @@
           <a:p>
             <a:fld id="{9BAD1153-3785-4251-ACAF-9DA529809DB7}" type="datetimeFigureOut">
               <a:rPr lang="en-CA" smtClean="0"/>
-              <a:t>2017-05-07</a:t>
+              <a:t>2017-10-18</a:t>
             </a:fld>
             <a:endParaRPr lang="en-CA"/>
           </a:p>
@@ -306,35 +310,35 @@
           <a:p>
             <a:pPr lvl="0"/>
             <a:r>
-              <a:rPr lang="en-US" smtClean="0"/>
+              <a:rPr lang="en-US"/>
               <a:t>Click to edit Master text styles</a:t>
             </a:r>
           </a:p>
           <a:p>
             <a:pPr lvl="1"/>
             <a:r>
-              <a:rPr lang="en-US" smtClean="0"/>
+              <a:rPr lang="en-US"/>
               <a:t>Second level</a:t>
             </a:r>
           </a:p>
           <a:p>
             <a:pPr lvl="2"/>
             <a:r>
-              <a:rPr lang="en-US" smtClean="0"/>
+              <a:rPr lang="en-US"/>
               <a:t>Third level</a:t>
             </a:r>
           </a:p>
           <a:p>
             <a:pPr lvl="3"/>
             <a:r>
-              <a:rPr lang="en-US" smtClean="0"/>
+              <a:rPr lang="en-US"/>
               <a:t>Fourth level</a:t>
             </a:r>
           </a:p>
           <a:p>
             <a:pPr lvl="4"/>
             <a:r>
-              <a:rPr lang="en-US" smtClean="0"/>
+              <a:rPr lang="en-US"/>
               <a:t>Fifth level</a:t>
             </a:r>
             <a:endParaRPr lang="en-CA"/>
@@ -586,7 +590,7 @@
           </a:lstStyle>
           <a:p>
             <a:r>
-              <a:rPr lang="en-US" smtClean="0"/>
+              <a:rPr lang="en-US"/>
               <a:t>Click to edit Master title style</a:t>
             </a:r>
             <a:endParaRPr lang="en-US" dirty="0"/>
@@ -682,7 +686,7 @@
           </a:lstStyle>
           <a:p>
             <a:r>
-              <a:rPr lang="en-US" smtClean="0"/>
+              <a:rPr lang="en-US"/>
               <a:t>Click to edit Master subtitle style</a:t>
             </a:r>
             <a:endParaRPr lang="en-US" dirty="0"/>
@@ -716,7 +720,7 @@
               <a:pPr>
                 <a:defRPr/>
               </a:pPr>
-              <a:t>5/7/2017</a:t>
+              <a:t>10/18/2017</a:t>
             </a:fld>
             <a:endParaRPr lang="en-US" dirty="0"/>
           </a:p>
@@ -900,7 +904,7 @@
           </a:lstStyle>
           <a:p>
             <a:r>
-              <a:rPr lang="en-US" smtClean="0"/>
+              <a:rPr lang="en-US"/>
               <a:t>Click to edit Master title style</a:t>
             </a:r>
             <a:endParaRPr lang="en-US" dirty="0"/>
@@ -968,7 +972,7 @@
           <a:p>
             <a:pPr lvl="0"/>
             <a:r>
-              <a:rPr lang="en-US" noProof="0" smtClean="0"/>
+              <a:rPr lang="en-US" noProof="0"/>
               <a:t>Click icon to add picture</a:t>
             </a:r>
             <a:endParaRPr lang="en-US" noProof="0" dirty="0"/>
@@ -1058,7 +1062,7 @@
           <a:p>
             <a:pPr lvl="0"/>
             <a:r>
-              <a:rPr lang="en-US" smtClean="0"/>
+              <a:rPr lang="en-US"/>
               <a:t>Click to edit Master text styles</a:t>
             </a:r>
           </a:p>
@@ -1091,7 +1095,7 @@
               <a:pPr>
                 <a:defRPr/>
               </a:pPr>
-              <a:t>5/7/2017</a:t>
+              <a:t>10/18/2017</a:t>
             </a:fld>
             <a:endParaRPr lang="en-US" dirty="0"/>
           </a:p>
@@ -1275,7 +1279,7 @@
           </a:lstStyle>
           <a:p>
             <a:r>
-              <a:rPr lang="en-US" smtClean="0"/>
+              <a:rPr lang="en-US"/>
               <a:t>Click to edit Master title style</a:t>
             </a:r>
             <a:endParaRPr lang="en-US" dirty="0"/>
@@ -1341,7 +1345,7 @@
           <a:p>
             <a:pPr lvl="0"/>
             <a:r>
-              <a:rPr lang="en-US" smtClean="0"/>
+              <a:rPr lang="en-US"/>
               <a:t>Click to edit Master text styles</a:t>
             </a:r>
           </a:p>
@@ -1374,7 +1378,7 @@
               <a:pPr>
                 <a:defRPr/>
               </a:pPr>
-              <a:t>5/7/2017</a:t>
+              <a:t>10/18/2017</a:t>
             </a:fld>
             <a:endParaRPr lang="en-US" dirty="0"/>
           </a:p>
@@ -1800,7 +1804,7 @@
           </a:lstStyle>
           <a:p>
             <a:r>
-              <a:rPr lang="en-US" smtClean="0"/>
+              <a:rPr lang="en-US"/>
               <a:t>Click to edit Master title style</a:t>
             </a:r>
             <a:endParaRPr lang="en-US" dirty="0"/>
@@ -1868,7 +1872,7 @@
           <a:p>
             <a:pPr lvl="0"/>
             <a:r>
-              <a:rPr lang="en-US" smtClean="0"/>
+              <a:rPr lang="en-US"/>
               <a:t>Click to edit Master text styles</a:t>
             </a:r>
           </a:p>
@@ -1935,7 +1939,7 @@
           <a:p>
             <a:pPr lvl="0"/>
             <a:r>
-              <a:rPr lang="en-US" smtClean="0"/>
+              <a:rPr lang="en-US"/>
               <a:t>Click to edit Master text styles</a:t>
             </a:r>
           </a:p>
@@ -1968,7 +1972,7 @@
               <a:pPr>
                 <a:defRPr/>
               </a:pPr>
-              <a:t>5/7/2017</a:t>
+              <a:t>10/18/2017</a:t>
             </a:fld>
             <a:endParaRPr lang="en-US" dirty="0"/>
           </a:p>
@@ -2154,7 +2158,7 @@
           </a:lstStyle>
           <a:p>
             <a:r>
-              <a:rPr lang="en-US" smtClean="0"/>
+              <a:rPr lang="en-US"/>
               <a:t>Click to edit Master title style</a:t>
             </a:r>
             <a:endParaRPr lang="en-US" dirty="0"/>
@@ -2220,7 +2224,7 @@
           <a:p>
             <a:pPr lvl="0"/>
             <a:r>
-              <a:rPr lang="en-US" smtClean="0"/>
+              <a:rPr lang="en-US"/>
               <a:t>Click to edit Master text styles</a:t>
             </a:r>
           </a:p>
@@ -2253,7 +2257,7 @@
               <a:pPr>
                 <a:defRPr/>
               </a:pPr>
-              <a:t>5/7/2017</a:t>
+              <a:t>10/18/2017</a:t>
             </a:fld>
             <a:endParaRPr lang="en-US" dirty="0"/>
           </a:p>
@@ -2433,7 +2437,7 @@
           <a:lstStyle/>
           <a:p>
             <a:r>
-              <a:rPr lang="en-US" smtClean="0"/>
+              <a:rPr lang="en-US"/>
               <a:t>Click to edit Master title style</a:t>
             </a:r>
             <a:endParaRPr lang="en-US" dirty="0"/>
@@ -2528,7 +2532,7 @@
           <a:p>
             <a:pPr lvl="0"/>
             <a:r>
-              <a:rPr lang="en-US" smtClean="0"/>
+              <a:rPr lang="en-US"/>
               <a:t>Click to edit Master text styles</a:t>
             </a:r>
           </a:p>
@@ -2595,7 +2599,7 @@
           <a:p>
             <a:pPr lvl="0"/>
             <a:r>
-              <a:rPr lang="en-US" smtClean="0"/>
+              <a:rPr lang="en-US"/>
               <a:t>Click to edit Master text styles</a:t>
             </a:r>
           </a:p>
@@ -2657,7 +2661,7 @@
           <a:p>
             <a:pPr lvl="0"/>
             <a:r>
-              <a:rPr lang="en-US" smtClean="0"/>
+              <a:rPr lang="en-US"/>
               <a:t>Click to edit Master text styles</a:t>
             </a:r>
           </a:p>
@@ -2724,7 +2728,7 @@
           <a:p>
             <a:pPr lvl="0"/>
             <a:r>
-              <a:rPr lang="en-US" smtClean="0"/>
+              <a:rPr lang="en-US"/>
               <a:t>Click to edit Master text styles</a:t>
             </a:r>
           </a:p>
@@ -2786,7 +2790,7 @@
           <a:p>
             <a:pPr lvl="0"/>
             <a:r>
-              <a:rPr lang="en-US" smtClean="0"/>
+              <a:rPr lang="en-US"/>
               <a:t>Click to edit Master text styles</a:t>
             </a:r>
           </a:p>
@@ -2853,7 +2857,7 @@
           <a:p>
             <a:pPr lvl="0"/>
             <a:r>
-              <a:rPr lang="en-US" smtClean="0"/>
+              <a:rPr lang="en-US"/>
               <a:t>Click to edit Master text styles</a:t>
             </a:r>
           </a:p>
@@ -2886,7 +2890,7 @@
               <a:pPr>
                 <a:defRPr/>
               </a:pPr>
-              <a:t>5/7/2017</a:t>
+              <a:t>10/18/2017</a:t>
             </a:fld>
             <a:endParaRPr lang="en-US" dirty="0"/>
           </a:p>
@@ -3066,7 +3070,7 @@
           <a:lstStyle/>
           <a:p>
             <a:r>
-              <a:rPr lang="en-US" smtClean="0"/>
+              <a:rPr lang="en-US"/>
               <a:t>Click to edit Master title style</a:t>
             </a:r>
             <a:endParaRPr lang="en-US" dirty="0"/>
@@ -3157,7 +3161,7 @@
           <a:p>
             <a:pPr lvl="0"/>
             <a:r>
-              <a:rPr lang="en-US" smtClean="0"/>
+              <a:rPr lang="en-US"/>
               <a:t>Click to edit Master text styles</a:t>
             </a:r>
           </a:p>
@@ -3236,7 +3240,7 @@
           <a:p>
             <a:pPr lvl="0"/>
             <a:r>
-              <a:rPr lang="en-US" noProof="0" smtClean="0"/>
+              <a:rPr lang="en-US" noProof="0"/>
               <a:t>Click icon to add picture</a:t>
             </a:r>
             <a:endParaRPr lang="en-US" noProof="0" dirty="0"/>
@@ -3304,7 +3308,7 @@
           <a:p>
             <a:pPr lvl="0"/>
             <a:r>
-              <a:rPr lang="en-US" smtClean="0"/>
+              <a:rPr lang="en-US"/>
               <a:t>Click to edit Master text styles</a:t>
             </a:r>
           </a:p>
@@ -3394,7 +3398,7 @@
           <a:p>
             <a:pPr lvl="0"/>
             <a:r>
-              <a:rPr lang="en-US" smtClean="0"/>
+              <a:rPr lang="en-US"/>
               <a:t>Click to edit Master text styles</a:t>
             </a:r>
           </a:p>
@@ -3473,7 +3477,7 @@
           <a:p>
             <a:pPr lvl="0"/>
             <a:r>
-              <a:rPr lang="en-US" noProof="0" smtClean="0"/>
+              <a:rPr lang="en-US" noProof="0"/>
               <a:t>Click icon to add picture</a:t>
             </a:r>
             <a:endParaRPr lang="en-US" noProof="0" dirty="0"/>
@@ -3541,7 +3545,7 @@
           <a:p>
             <a:pPr lvl="0"/>
             <a:r>
-              <a:rPr lang="en-US" smtClean="0"/>
+              <a:rPr lang="en-US"/>
               <a:t>Click to edit Master text styles</a:t>
             </a:r>
           </a:p>
@@ -3631,7 +3635,7 @@
           <a:p>
             <a:pPr lvl="0"/>
             <a:r>
-              <a:rPr lang="en-US" smtClean="0"/>
+              <a:rPr lang="en-US"/>
               <a:t>Click to edit Master text styles</a:t>
             </a:r>
           </a:p>
@@ -3710,7 +3714,7 @@
           <a:p>
             <a:pPr lvl="0"/>
             <a:r>
-              <a:rPr lang="en-US" noProof="0" smtClean="0"/>
+              <a:rPr lang="en-US" noProof="0"/>
               <a:t>Click icon to add picture</a:t>
             </a:r>
             <a:endParaRPr lang="en-US" noProof="0" dirty="0"/>
@@ -3778,7 +3782,7 @@
           <a:p>
             <a:pPr lvl="0"/>
             <a:r>
-              <a:rPr lang="en-US" smtClean="0"/>
+              <a:rPr lang="en-US"/>
               <a:t>Click to edit Master text styles</a:t>
             </a:r>
           </a:p>
@@ -3811,7 +3815,7 @@
               <a:pPr>
                 <a:defRPr/>
               </a:pPr>
-              <a:t>5/7/2017</a:t>
+              <a:t>10/18/2017</a:t>
             </a:fld>
             <a:endParaRPr lang="en-US" dirty="0"/>
           </a:p>
@@ -3986,7 +3990,7 @@
           <a:lstStyle/>
           <a:p>
             <a:r>
-              <a:rPr lang="en-US" smtClean="0"/>
+              <a:rPr lang="en-US"/>
               <a:t>Click to edit Master title style</a:t>
             </a:r>
             <a:endParaRPr lang="en-US" dirty="0"/>
@@ -4010,35 +4014,35 @@
           <a:p>
             <a:pPr lvl="0"/>
             <a:r>
-              <a:rPr lang="en-US" smtClean="0"/>
+              <a:rPr lang="en-US"/>
               <a:t>Click to edit Master text styles</a:t>
             </a:r>
           </a:p>
           <a:p>
             <a:pPr lvl="1"/>
             <a:r>
-              <a:rPr lang="en-US" smtClean="0"/>
+              <a:rPr lang="en-US"/>
               <a:t>Second level</a:t>
             </a:r>
           </a:p>
           <a:p>
             <a:pPr lvl="2"/>
             <a:r>
-              <a:rPr lang="en-US" smtClean="0"/>
+              <a:rPr lang="en-US"/>
               <a:t>Third level</a:t>
             </a:r>
           </a:p>
           <a:p>
             <a:pPr lvl="3"/>
             <a:r>
-              <a:rPr lang="en-US" smtClean="0"/>
+              <a:rPr lang="en-US"/>
               <a:t>Fourth level</a:t>
             </a:r>
           </a:p>
           <a:p>
             <a:pPr lvl="4"/>
             <a:r>
-              <a:rPr lang="en-US" smtClean="0"/>
+              <a:rPr lang="en-US"/>
               <a:t>Fifth level</a:t>
             </a:r>
             <a:endParaRPr lang="en-US" dirty="0"/>
@@ -4072,7 +4076,7 @@
               <a:pPr>
                 <a:defRPr/>
               </a:pPr>
-              <a:t>5/7/2017</a:t>
+              <a:t>10/18/2017</a:t>
             </a:fld>
             <a:endParaRPr lang="en-US" dirty="0"/>
           </a:p>
@@ -4252,7 +4256,7 @@
           <a:lstStyle/>
           <a:p>
             <a:r>
-              <a:rPr lang="en-US" smtClean="0"/>
+              <a:rPr lang="en-US"/>
               <a:t>Click to edit Master title style</a:t>
             </a:r>
             <a:endParaRPr lang="en-US" dirty="0"/>
@@ -4281,35 +4285,35 @@
           <a:p>
             <a:pPr lvl="0"/>
             <a:r>
-              <a:rPr lang="en-US" smtClean="0"/>
+              <a:rPr lang="en-US"/>
               <a:t>Click to edit Master text styles</a:t>
             </a:r>
           </a:p>
           <a:p>
             <a:pPr lvl="1"/>
             <a:r>
-              <a:rPr lang="en-US" smtClean="0"/>
+              <a:rPr lang="en-US"/>
               <a:t>Second level</a:t>
             </a:r>
           </a:p>
           <a:p>
             <a:pPr lvl="2"/>
             <a:r>
-              <a:rPr lang="en-US" smtClean="0"/>
+              <a:rPr lang="en-US"/>
               <a:t>Third level</a:t>
             </a:r>
           </a:p>
           <a:p>
             <a:pPr lvl="3"/>
             <a:r>
-              <a:rPr lang="en-US" smtClean="0"/>
+              <a:rPr lang="en-US"/>
               <a:t>Fourth level</a:t>
             </a:r>
           </a:p>
           <a:p>
             <a:pPr lvl="4"/>
             <a:r>
-              <a:rPr lang="en-US" smtClean="0"/>
+              <a:rPr lang="en-US"/>
               <a:t>Fifth level</a:t>
             </a:r>
             <a:endParaRPr lang="en-US" dirty="0"/>
@@ -4343,7 +4347,7 @@
               <a:pPr>
                 <a:defRPr/>
               </a:pPr>
-              <a:t>5/7/2017</a:t>
+              <a:t>10/18/2017</a:t>
             </a:fld>
             <a:endParaRPr lang="en-US" dirty="0"/>
           </a:p>
@@ -4518,10 +4522,9 @@
           </a:lstStyle>
           <a:p>
             <a:r>
-              <a:rPr lang="en-US" dirty="0" smtClean="0"/>
+              <a:rPr lang="en-US" dirty="0"/>
               <a:t>Click to edit Master title style</a:t>
             </a:r>
-            <a:endParaRPr lang="en-US" dirty="0"/>
           </a:p>
         </p:txBody>
       </p:sp>
@@ -4549,38 +4552,37 @@
           <a:p>
             <a:pPr lvl="0"/>
             <a:r>
-              <a:rPr lang="en-US" dirty="0" smtClean="0"/>
+              <a:rPr lang="en-US" dirty="0"/>
               <a:t>Click to edit Master text styles</a:t>
             </a:r>
           </a:p>
           <a:p>
             <a:pPr lvl="1"/>
             <a:r>
-              <a:rPr lang="en-US" dirty="0" smtClean="0"/>
+              <a:rPr lang="en-US" dirty="0"/>
               <a:t>Second level</a:t>
             </a:r>
           </a:p>
           <a:p>
             <a:pPr lvl="2"/>
             <a:r>
-              <a:rPr lang="en-US" dirty="0" smtClean="0"/>
+              <a:rPr lang="en-US" dirty="0"/>
               <a:t>Third level</a:t>
             </a:r>
           </a:p>
           <a:p>
             <a:pPr lvl="3"/>
             <a:r>
-              <a:rPr lang="en-US" dirty="0" smtClean="0"/>
+              <a:rPr lang="en-US" dirty="0"/>
               <a:t>Fourth level</a:t>
             </a:r>
           </a:p>
           <a:p>
             <a:pPr lvl="4"/>
             <a:r>
-              <a:rPr lang="en-US" dirty="0" smtClean="0"/>
+              <a:rPr lang="en-US" dirty="0"/>
               <a:t>Fifth level</a:t>
             </a:r>
-            <a:endParaRPr lang="en-US" dirty="0"/>
           </a:p>
         </p:txBody>
       </p:sp>
@@ -4611,7 +4613,7 @@
               <a:pPr>
                 <a:defRPr/>
               </a:pPr>
-              <a:t>5/7/2017</a:t>
+              <a:t>10/18/2017</a:t>
             </a:fld>
             <a:endParaRPr lang="en-US" dirty="0"/>
           </a:p>
@@ -4765,7 +4767,7 @@
           </a:lstStyle>
           <a:p>
             <a:r>
-              <a:rPr lang="en-US" smtClean="0"/>
+              <a:rPr lang="en-US"/>
               <a:t>Click to edit Master title style</a:t>
             </a:r>
             <a:endParaRPr lang="en-US" dirty="0"/>
@@ -4861,7 +4863,7 @@
           </a:lstStyle>
           <a:p>
             <a:r>
-              <a:rPr lang="en-US" smtClean="0"/>
+              <a:rPr lang="en-US"/>
               <a:t>Click to edit Master subtitle style</a:t>
             </a:r>
             <a:endParaRPr lang="en-US" dirty="0"/>
@@ -4895,7 +4897,7 @@
               <a:pPr>
                 <a:defRPr/>
               </a:pPr>
-              <a:t>5/7/2017</a:t>
+              <a:t>10/18/2017</a:t>
             </a:fld>
             <a:endParaRPr lang="en-US" dirty="0"/>
           </a:p>
@@ -5006,7 +5008,7 @@
           <a:lstStyle/>
           <a:p>
             <a:r>
-              <a:rPr lang="en-US" smtClean="0"/>
+              <a:rPr lang="en-US"/>
               <a:t>Click to edit Master title style</a:t>
             </a:r>
             <a:endParaRPr lang="en-US" dirty="0"/>
@@ -5035,35 +5037,35 @@
           <a:p>
             <a:pPr lvl="0"/>
             <a:r>
-              <a:rPr lang="en-US" smtClean="0"/>
+              <a:rPr lang="en-US"/>
               <a:t>Click to edit Master text styles</a:t>
             </a:r>
           </a:p>
           <a:p>
             <a:pPr lvl="1"/>
             <a:r>
-              <a:rPr lang="en-US" smtClean="0"/>
+              <a:rPr lang="en-US"/>
               <a:t>Second level</a:t>
             </a:r>
           </a:p>
           <a:p>
             <a:pPr lvl="2"/>
             <a:r>
-              <a:rPr lang="en-US" smtClean="0"/>
+              <a:rPr lang="en-US"/>
               <a:t>Third level</a:t>
             </a:r>
           </a:p>
           <a:p>
             <a:pPr lvl="3"/>
             <a:r>
-              <a:rPr lang="en-US" smtClean="0"/>
+              <a:rPr lang="en-US"/>
               <a:t>Fourth level</a:t>
             </a:r>
           </a:p>
           <a:p>
             <a:pPr lvl="4"/>
             <a:r>
-              <a:rPr lang="en-US" smtClean="0"/>
+              <a:rPr lang="en-US"/>
               <a:t>Fifth level</a:t>
             </a:r>
             <a:endParaRPr lang="en-US" dirty="0"/>
@@ -5092,35 +5094,35 @@
           <a:p>
             <a:pPr lvl="0"/>
             <a:r>
-              <a:rPr lang="en-US" smtClean="0"/>
+              <a:rPr lang="en-US"/>
               <a:t>Click to edit Master text styles</a:t>
             </a:r>
           </a:p>
           <a:p>
             <a:pPr lvl="1"/>
             <a:r>
-              <a:rPr lang="en-US" smtClean="0"/>
+              <a:rPr lang="en-US"/>
               <a:t>Second level</a:t>
             </a:r>
           </a:p>
           <a:p>
             <a:pPr lvl="2"/>
             <a:r>
-              <a:rPr lang="en-US" smtClean="0"/>
+              <a:rPr lang="en-US"/>
               <a:t>Third level</a:t>
             </a:r>
           </a:p>
           <a:p>
             <a:pPr lvl="3"/>
             <a:r>
-              <a:rPr lang="en-US" smtClean="0"/>
+              <a:rPr lang="en-US"/>
               <a:t>Fourth level</a:t>
             </a:r>
           </a:p>
           <a:p>
             <a:pPr lvl="4"/>
             <a:r>
-              <a:rPr lang="en-US" smtClean="0"/>
+              <a:rPr lang="en-US"/>
               <a:t>Fifth level</a:t>
             </a:r>
             <a:endParaRPr lang="en-US" dirty="0"/>
@@ -5154,7 +5156,7 @@
               <a:pPr>
                 <a:defRPr/>
               </a:pPr>
-              <a:t>5/7/2017</a:t>
+              <a:t>10/18/2017</a:t>
             </a:fld>
             <a:endParaRPr lang="en-US" dirty="0"/>
           </a:p>
@@ -5270,7 +5272,7 @@
           <a:lstStyle/>
           <a:p>
             <a:r>
-              <a:rPr lang="en-US" smtClean="0"/>
+              <a:rPr lang="en-US"/>
               <a:t>Click to edit Master title style</a:t>
             </a:r>
             <a:endParaRPr lang="en-US" dirty="0"/>
@@ -5365,7 +5367,7 @@
           <a:p>
             <a:pPr lvl="0"/>
             <a:r>
-              <a:rPr lang="en-US" smtClean="0"/>
+              <a:rPr lang="en-US"/>
               <a:t>Click to edit Master text styles</a:t>
             </a:r>
           </a:p>
@@ -5393,35 +5395,35 @@
           <a:p>
             <a:pPr lvl="0"/>
             <a:r>
-              <a:rPr lang="en-US" smtClean="0"/>
+              <a:rPr lang="en-US"/>
               <a:t>Click to edit Master text styles</a:t>
             </a:r>
           </a:p>
           <a:p>
             <a:pPr lvl="1"/>
             <a:r>
-              <a:rPr lang="en-US" smtClean="0"/>
+              <a:rPr lang="en-US"/>
               <a:t>Second level</a:t>
             </a:r>
           </a:p>
           <a:p>
             <a:pPr lvl="2"/>
             <a:r>
-              <a:rPr lang="en-US" smtClean="0"/>
+              <a:rPr lang="en-US"/>
               <a:t>Third level</a:t>
             </a:r>
           </a:p>
           <a:p>
             <a:pPr lvl="3"/>
             <a:r>
-              <a:rPr lang="en-US" smtClean="0"/>
+              <a:rPr lang="en-US"/>
               <a:t>Fourth level</a:t>
             </a:r>
           </a:p>
           <a:p>
             <a:pPr lvl="4"/>
             <a:r>
-              <a:rPr lang="en-US" smtClean="0"/>
+              <a:rPr lang="en-US"/>
               <a:t>Fifth level</a:t>
             </a:r>
             <a:endParaRPr lang="en-US" dirty="0"/>
@@ -5484,7 +5486,7 @@
           <a:p>
             <a:pPr lvl="0"/>
             <a:r>
-              <a:rPr lang="en-US" smtClean="0"/>
+              <a:rPr lang="en-US"/>
               <a:t>Click to edit Master text styles</a:t>
             </a:r>
           </a:p>
@@ -5512,35 +5514,35 @@
           <a:p>
             <a:pPr lvl="0"/>
             <a:r>
-              <a:rPr lang="en-US" smtClean="0"/>
+              <a:rPr lang="en-US"/>
               <a:t>Click to edit Master text styles</a:t>
             </a:r>
           </a:p>
           <a:p>
             <a:pPr lvl="1"/>
             <a:r>
-              <a:rPr lang="en-US" smtClean="0"/>
+              <a:rPr lang="en-US"/>
               <a:t>Second level</a:t>
             </a:r>
           </a:p>
           <a:p>
             <a:pPr lvl="2"/>
             <a:r>
-              <a:rPr lang="en-US" smtClean="0"/>
+              <a:rPr lang="en-US"/>
               <a:t>Third level</a:t>
             </a:r>
           </a:p>
           <a:p>
             <a:pPr lvl="3"/>
             <a:r>
-              <a:rPr lang="en-US" smtClean="0"/>
+              <a:rPr lang="en-US"/>
               <a:t>Fourth level</a:t>
             </a:r>
           </a:p>
           <a:p>
             <a:pPr lvl="4"/>
             <a:r>
-              <a:rPr lang="en-US" smtClean="0"/>
+              <a:rPr lang="en-US"/>
               <a:t>Fifth level</a:t>
             </a:r>
             <a:endParaRPr lang="en-US" dirty="0"/>
@@ -5574,7 +5576,7 @@
               <a:pPr>
                 <a:defRPr/>
               </a:pPr>
-              <a:t>5/7/2017</a:t>
+              <a:t>10/18/2017</a:t>
             </a:fld>
             <a:endParaRPr lang="en-US" dirty="0"/>
           </a:p>
@@ -5685,7 +5687,7 @@
           <a:lstStyle/>
           <a:p>
             <a:r>
-              <a:rPr lang="en-US" smtClean="0"/>
+              <a:rPr lang="en-US"/>
               <a:t>Click to edit Master title style</a:t>
             </a:r>
             <a:endParaRPr lang="en-US" dirty="0"/>
@@ -5719,7 +5721,7 @@
               <a:pPr>
                 <a:defRPr/>
               </a:pPr>
-              <a:t>5/7/2017</a:t>
+              <a:t>10/18/2017</a:t>
             </a:fld>
             <a:endParaRPr lang="en-US" dirty="0"/>
           </a:p>
@@ -5841,7 +5843,7 @@
               <a:pPr>
                 <a:defRPr/>
               </a:pPr>
-              <a:t>5/7/2017</a:t>
+              <a:t>10/18/2017</a:t>
             </a:fld>
             <a:endParaRPr lang="en-US" dirty="0"/>
           </a:p>
@@ -5961,7 +5963,7 @@
           </a:lstStyle>
           <a:p>
             <a:r>
-              <a:rPr lang="en-US" smtClean="0"/>
+              <a:rPr lang="en-US"/>
               <a:t>Click to edit Master title style</a:t>
             </a:r>
             <a:endParaRPr lang="en-US" dirty="0"/>
@@ -5990,35 +5992,35 @@
           <a:p>
             <a:pPr lvl="0"/>
             <a:r>
-              <a:rPr lang="en-US" smtClean="0"/>
+              <a:rPr lang="en-US"/>
               <a:t>Click to edit Master text styles</a:t>
             </a:r>
           </a:p>
           <a:p>
             <a:pPr lvl="1"/>
             <a:r>
-              <a:rPr lang="en-US" smtClean="0"/>
+              <a:rPr lang="en-US"/>
               <a:t>Second level</a:t>
             </a:r>
           </a:p>
           <a:p>
             <a:pPr lvl="2"/>
             <a:r>
-              <a:rPr lang="en-US" smtClean="0"/>
+              <a:rPr lang="en-US"/>
               <a:t>Third level</a:t>
             </a:r>
           </a:p>
           <a:p>
             <a:pPr lvl="3"/>
             <a:r>
-              <a:rPr lang="en-US" smtClean="0"/>
+              <a:rPr lang="en-US"/>
               <a:t>Fourth level</a:t>
             </a:r>
           </a:p>
           <a:p>
             <a:pPr lvl="4"/>
             <a:r>
-              <a:rPr lang="en-US" smtClean="0"/>
+              <a:rPr lang="en-US"/>
               <a:t>Fifth level</a:t>
             </a:r>
             <a:endParaRPr lang="en-US" dirty="0"/>
@@ -6110,7 +6112,7 @@
           <a:p>
             <a:pPr lvl="0"/>
             <a:r>
-              <a:rPr lang="en-US" smtClean="0"/>
+              <a:rPr lang="en-US"/>
               <a:t>Click to edit Master text styles</a:t>
             </a:r>
           </a:p>
@@ -6143,7 +6145,7 @@
               <a:pPr>
                 <a:defRPr/>
               </a:pPr>
-              <a:t>5/7/2017</a:t>
+              <a:t>10/18/2017</a:t>
             </a:fld>
             <a:endParaRPr lang="en-US" dirty="0"/>
           </a:p>
@@ -6263,7 +6265,7 @@
           </a:lstStyle>
           <a:p>
             <a:r>
-              <a:rPr lang="en-US" smtClean="0"/>
+              <a:rPr lang="en-US"/>
               <a:t>Click to edit Master title style</a:t>
             </a:r>
             <a:endParaRPr lang="en-US" dirty="0"/>
@@ -6331,7 +6333,7 @@
           <a:p>
             <a:pPr lvl="0"/>
             <a:r>
-              <a:rPr lang="en-US" noProof="0" smtClean="0"/>
+              <a:rPr lang="en-US" noProof="0"/>
               <a:t>Click icon to add picture</a:t>
             </a:r>
             <a:endParaRPr lang="en-US" noProof="0" dirty="0"/>
@@ -6423,7 +6425,7 @@
           <a:p>
             <a:pPr lvl="0"/>
             <a:r>
-              <a:rPr lang="en-US" smtClean="0"/>
+              <a:rPr lang="en-US"/>
               <a:t>Click to edit Master text styles</a:t>
             </a:r>
           </a:p>
@@ -6456,7 +6458,7 @@
               <a:pPr>
                 <a:defRPr/>
               </a:pPr>
-              <a:t>5/7/2017</a:t>
+              <a:t>10/18/2017</a:t>
             </a:fld>
             <a:endParaRPr lang="en-US" dirty="0"/>
           </a:p>
@@ -6611,7 +6613,7 @@
           <a:p>
             <a:pPr lvl="0"/>
             <a:r>
-              <a:rPr lang="en-US" altLang="en-US" smtClean="0"/>
+              <a:rPr lang="en-US" altLang="en-US"/>
               <a:t>Click to edit Master title style</a:t>
             </a:r>
           </a:p>
@@ -6669,35 +6671,35 @@
           <a:p>
             <a:pPr lvl="0"/>
             <a:r>
-              <a:rPr lang="en-US" altLang="en-US" smtClean="0"/>
+              <a:rPr lang="en-US" altLang="en-US"/>
               <a:t>Click to edit Master text styles</a:t>
             </a:r>
           </a:p>
           <a:p>
             <a:pPr lvl="1"/>
             <a:r>
-              <a:rPr lang="en-US" altLang="en-US" smtClean="0"/>
+              <a:rPr lang="en-US" altLang="en-US"/>
               <a:t>Second level</a:t>
             </a:r>
           </a:p>
           <a:p>
             <a:pPr lvl="2"/>
             <a:r>
-              <a:rPr lang="en-US" altLang="en-US" smtClean="0"/>
+              <a:rPr lang="en-US" altLang="en-US"/>
               <a:t>Third level</a:t>
             </a:r>
           </a:p>
           <a:p>
             <a:pPr lvl="3"/>
             <a:r>
-              <a:rPr lang="en-US" altLang="en-US" smtClean="0"/>
+              <a:rPr lang="en-US" altLang="en-US"/>
               <a:t>Fourth level</a:t>
             </a:r>
           </a:p>
           <a:p>
             <a:pPr lvl="4"/>
             <a:r>
-              <a:rPr lang="en-US" altLang="en-US" smtClean="0"/>
+              <a:rPr lang="en-US" altLang="en-US"/>
               <a:t>Fifth level</a:t>
             </a:r>
           </a:p>
@@ -6770,7 +6772,7 @@
               <a:pPr>
                 <a:defRPr/>
               </a:pPr>
-              <a:t>5/7/2017</a:t>
+              <a:t>10/18/2017</a:t>
             </a:fld>
             <a:endParaRPr lang="en-US" dirty="0"/>
           </a:p>
@@ -7463,7 +7465,7 @@
       </p:pic>
       <p:pic>
         <p:nvPicPr>
-          <p:cNvPr id="23556" name="Picture 5"/>
+          <p:cNvPr id="11268" name="Picture 5"/>
           <p:cNvPicPr>
             <a:picLocks noChangeAspect="1"/>
           </p:cNvPicPr>
@@ -7517,7 +7519,7 @@
       </p:pic>
       <p:pic>
         <p:nvPicPr>
-          <p:cNvPr id="23557" name="Picture 8"/>
+          <p:cNvPr id="11269" name="Picture 8"/>
           <p:cNvPicPr>
             <a:picLocks noChangeAspect="1"/>
           </p:cNvPicPr>
@@ -7571,7 +7573,7 @@
       </p:pic>
       <p:sp>
         <p:nvSpPr>
-          <p:cNvPr id="23558" name="TextBox 9"/>
+          <p:cNvPr id="11270" name="TextBox 9"/>
           <p:cNvSpPr txBox="1">
             <a:spLocks noChangeArrowheads="1"/>
           </p:cNvSpPr>
@@ -7580,7 +7582,7 @@
         <p:spPr bwMode="auto">
           <a:xfrm>
             <a:off x="2849563" y="5278438"/>
-            <a:ext cx="4192587" cy="969962"/>
+            <a:ext cx="4192587" cy="677108"/>
           </a:xfrm>
           <a:prstGeom prst="rect">
             <a:avLst/>
@@ -7614,44 +7616,44 @@
             <a:spAutoFit/>
           </a:bodyPr>
           <a:lstStyle>
-            <a:lvl1pPr defTabSz="457200">
+            <a:lvl1pPr>
               <a:defRPr>
                 <a:solidFill>
                   <a:schemeClr val="tx1"/>
                 </a:solidFill>
-                <a:latin typeface="Calibri" pitchFamily="34" charset="0"/>
+                <a:latin typeface="Corbel" pitchFamily="34" charset="0"/>
               </a:defRPr>
             </a:lvl1pPr>
-            <a:lvl2pPr marL="742950" indent="-285750" defTabSz="457200">
+            <a:lvl2pPr marL="742950" indent="-285750">
               <a:defRPr>
                 <a:solidFill>
                   <a:schemeClr val="tx1"/>
                 </a:solidFill>
-                <a:latin typeface="Calibri" pitchFamily="34" charset="0"/>
+                <a:latin typeface="Corbel" pitchFamily="34" charset="0"/>
               </a:defRPr>
             </a:lvl2pPr>
-            <a:lvl3pPr marL="1143000" indent="-228600" defTabSz="457200">
+            <a:lvl3pPr marL="1143000" indent="-228600">
               <a:defRPr>
                 <a:solidFill>
                   <a:schemeClr val="tx1"/>
                 </a:solidFill>
-                <a:latin typeface="Calibri" pitchFamily="34" charset="0"/>
+                <a:latin typeface="Corbel" pitchFamily="34" charset="0"/>
               </a:defRPr>
             </a:lvl3pPr>
-            <a:lvl4pPr marL="1600200" indent="-228600" defTabSz="457200">
+            <a:lvl4pPr marL="1600200" indent="-228600">
               <a:defRPr>
                 <a:solidFill>
                   <a:schemeClr val="tx1"/>
                 </a:solidFill>
-                <a:latin typeface="Calibri" pitchFamily="34" charset="0"/>
+                <a:latin typeface="Corbel" pitchFamily="34" charset="0"/>
               </a:defRPr>
             </a:lvl4pPr>
-            <a:lvl5pPr marL="2057400" indent="-228600" defTabSz="457200">
+            <a:lvl5pPr marL="2057400" indent="-228600">
               <a:defRPr>
                 <a:solidFill>
                   <a:schemeClr val="tx1"/>
                 </a:solidFill>
-                <a:latin typeface="Calibri" pitchFamily="34" charset="0"/>
+                <a:latin typeface="Corbel" pitchFamily="34" charset="0"/>
               </a:defRPr>
             </a:lvl5pPr>
             <a:lvl6pPr marL="2514600" indent="-228600" defTabSz="457200" fontAlgn="base">
@@ -7665,7 +7667,7 @@
                 <a:solidFill>
                   <a:schemeClr val="tx1"/>
                 </a:solidFill>
-                <a:latin typeface="Calibri" pitchFamily="34" charset="0"/>
+                <a:latin typeface="Corbel" pitchFamily="34" charset="0"/>
               </a:defRPr>
             </a:lvl6pPr>
             <a:lvl7pPr marL="2971800" indent="-228600" defTabSz="457200" fontAlgn="base">
@@ -7679,7 +7681,7 @@
                 <a:solidFill>
                   <a:schemeClr val="tx1"/>
                 </a:solidFill>
-                <a:latin typeface="Calibri" pitchFamily="34" charset="0"/>
+                <a:latin typeface="Corbel" pitchFamily="34" charset="0"/>
               </a:defRPr>
             </a:lvl7pPr>
             <a:lvl8pPr marL="3429000" indent="-228600" defTabSz="457200" fontAlgn="base">
@@ -7693,7 +7695,7 @@
                 <a:solidFill>
                   <a:schemeClr val="tx1"/>
                 </a:solidFill>
-                <a:latin typeface="Calibri" pitchFamily="34" charset="0"/>
+                <a:latin typeface="Corbel" pitchFamily="34" charset="0"/>
               </a:defRPr>
             </a:lvl8pPr>
             <a:lvl9pPr marL="3886200" indent="-228600" defTabSz="457200" fontAlgn="base">
@@ -7707,60 +7709,57 @@
                 <a:solidFill>
                   <a:schemeClr val="tx1"/>
                 </a:solidFill>
-                <a:latin typeface="Calibri" pitchFamily="34" charset="0"/>
+                <a:latin typeface="Corbel" pitchFamily="34" charset="0"/>
               </a:defRPr>
             </a:lvl9pPr>
           </a:lstStyle>
           <a:p>
             <a:pPr algn="r"/>
             <a:r>
-              <a:rPr lang="en-CA" altLang="en-US" sz="1900">
+              <a:rPr lang="en-CA" altLang="en-US" sz="1900" dirty="0">
                 <a:solidFill>
                   <a:srgbClr val="126D96"/>
                 </a:solidFill>
-                <a:latin typeface="Corbel" pitchFamily="34" charset="0"/>
               </a:rPr>
-              <a:t>Tom Carruthers  &amp;  Adrian Hordyk     </a:t>
-            </a:r>
-            <a:r>
-              <a:rPr lang="en-CA" altLang="en-US" sz="1900">
-                <a:solidFill>
-                  <a:srgbClr val="FFFFFF"/>
-                </a:solidFill>
-                <a:latin typeface="Corbel" pitchFamily="34" charset="0"/>
+              <a:t>Tom Carruthers  &amp;  Adrian </a:t>
+            </a:r>
+            <a:r>
+              <a:rPr lang="en-CA" altLang="en-US" sz="1900" dirty="0" err="1">
+                <a:solidFill>
+                  <a:srgbClr val="126D96"/>
+                </a:solidFill>
               </a:rPr>
+              <a:t>Hordyk</a:t>
+            </a:r>
+            <a:r>
+              <a:rPr lang="en-CA" altLang="en-US" sz="1900" dirty="0">
+                <a:solidFill>
+                  <a:srgbClr val="126D96"/>
+                </a:solidFill>
+              </a:rPr>
+              <a:t>     </a:t>
+            </a:r>
+            <a:r>
+              <a:rPr lang="en-CA" altLang="en-US" sz="1900" dirty="0"/>
               <a:t>.</a:t>
             </a:r>
           </a:p>
           <a:p>
             <a:pPr algn="r"/>
             <a:r>
-              <a:rPr lang="en-CA" altLang="en-US" sz="1900">
+              <a:rPr lang="en-CA" altLang="en-US" sz="1900" dirty="0">
                 <a:solidFill>
                   <a:srgbClr val="126D96"/>
                 </a:solidFill>
-                <a:latin typeface="Corbel" pitchFamily="34" charset="0"/>
               </a:rPr>
               <a:t> </a:t>
             </a:r>
           </a:p>
-          <a:p>
-            <a:pPr algn="r"/>
-            <a:r>
-              <a:rPr lang="en-CA" altLang="en-US" sz="1900">
-                <a:solidFill>
-                  <a:srgbClr val="126D96"/>
-                </a:solidFill>
-                <a:latin typeface="Corbel" pitchFamily="34" charset="0"/>
-              </a:rPr>
-              <a:t>Nicolas Gutierrez</a:t>
-            </a:r>
-          </a:p>
-        </p:txBody>
-      </p:sp>
-      <p:sp>
-        <p:nvSpPr>
-          <p:cNvPr id="23559" name="Subtitle 2"/>
+        </p:txBody>
+      </p:sp>
+      <p:sp>
+        <p:nvSpPr>
+          <p:cNvPr id="11271" name="Subtitle 2"/>
           <p:cNvSpPr txBox="1">
             <a:spLocks/>
           </p:cNvSpPr>
@@ -7768,8 +7767,8 @@
         </p:nvSpPr>
         <p:spPr bwMode="auto">
           <a:xfrm>
-            <a:off x="1935163" y="3232150"/>
-            <a:ext cx="5949205" cy="677863"/>
+            <a:off x="1935163" y="3259932"/>
+            <a:ext cx="2708846" cy="677862"/>
           </a:xfrm>
           <a:prstGeom prst="rect">
             <a:avLst/>
@@ -7959,89 +7958,27 @@
             </a:lvl9pPr>
           </a:lstStyle>
           <a:p>
-            <a:pPr>
+            <a:pPr defTabSz="914400">
               <a:spcBef>
                 <a:spcPts val="1000"/>
               </a:spcBef>
-              <a:spcAft>
-                <a:spcPts val="600"/>
-              </a:spcAft>
               <a:buFont typeface="Arial" charset="0"/>
               <a:buNone/>
             </a:pPr>
             <a:r>
-              <a:rPr lang="en-US" altLang="en-US" sz="2600" dirty="0" smtClean="0">
+              <a:rPr lang="en-US" altLang="en-US" sz="2800" dirty="0">
                 <a:solidFill>
                   <a:srgbClr val="00B050"/>
                 </a:solidFill>
               </a:rPr>
-              <a:t>Getting Started </a:t>
-            </a:r>
-            <a:endParaRPr lang="en-US" altLang="en-US" sz="2600" dirty="0">
-              <a:solidFill>
-                <a:srgbClr val="00B050"/>
-              </a:solidFill>
-            </a:endParaRPr>
-          </a:p>
-        </p:txBody>
-      </p:sp>
-      <p:pic>
-        <p:nvPicPr>
-          <p:cNvPr id="13" name="Picture 4"/>
-          <p:cNvPicPr>
-            <a:picLocks noChangeAspect="1" noChangeArrowheads="1"/>
-          </p:cNvPicPr>
-          <p:nvPr/>
-        </p:nvPicPr>
-        <p:blipFill>
-          <a:blip r:embed="rId5" cstate="print">
-            <a:extLst>
-              <a:ext uri="{28A0092B-C50C-407E-A947-70E740481C1C}">
-                <a14:useLocalDpi xmlns:a14="http://schemas.microsoft.com/office/drawing/2010/main" val="0"/>
-              </a:ext>
-            </a:extLst>
-          </a:blip>
-          <a:srcRect/>
-          <a:stretch>
-            <a:fillRect/>
-          </a:stretch>
-        </p:blipFill>
-        <p:spPr bwMode="auto">
-          <a:xfrm>
-            <a:off x="7432675" y="5780088"/>
-            <a:ext cx="547688" cy="549275"/>
-          </a:xfrm>
-          <a:prstGeom prst="rect">
-            <a:avLst/>
-          </a:prstGeom>
-          <a:noFill/>
-          <a:ln>
-            <a:noFill/>
-          </a:ln>
-          <a:extLst>
-            <a:ext uri="{909E8E84-426E-40DD-AFC4-6F175D3DCCD1}">
-              <a14:hiddenFill xmlns:a14="http://schemas.microsoft.com/office/drawing/2010/main">
-                <a:solidFill>
-                  <a:schemeClr val="accent1"/>
-                </a:solidFill>
-              </a14:hiddenFill>
-            </a:ext>
-            <a:ext uri="{91240B29-F687-4F45-9708-019B960494DF}">
-              <a14:hiddenLine xmlns:a14="http://schemas.microsoft.com/office/drawing/2010/main" w="9525">
-                <a:solidFill>
-                  <a:schemeClr val="tx1"/>
-                </a:solidFill>
-                <a:miter lim="800000"/>
-                <a:headEnd/>
-                <a:tailEnd/>
-              </a14:hiddenLine>
-            </a:ext>
-          </a:extLst>
-        </p:spPr>
-      </p:pic>
-      <p:sp>
-        <p:nvSpPr>
-          <p:cNvPr id="23561" name="Subtitle 2"/>
+              <a:t>Getting Started</a:t>
+            </a:r>
+          </a:p>
+        </p:txBody>
+      </p:sp>
+      <p:sp>
+        <p:nvSpPr>
+          <p:cNvPr id="11273" name="Subtitle 2"/>
           <p:cNvSpPr txBox="1">
             <a:spLocks/>
           </p:cNvSpPr>
@@ -8050,7 +7987,7 @@
         <p:spPr bwMode="auto">
           <a:xfrm>
             <a:off x="1935163" y="3657600"/>
-            <a:ext cx="2616200" cy="677863"/>
+            <a:ext cx="3412692" cy="677863"/>
           </a:xfrm>
           <a:prstGeom prst="rect">
             <a:avLst/>
@@ -8240,7 +8177,7 @@
             </a:lvl9pPr>
           </a:lstStyle>
           <a:p>
-            <a:pPr>
+            <a:pPr defTabSz="914400">
               <a:spcBef>
                 <a:spcPts val="1000"/>
               </a:spcBef>
@@ -8253,15 +8190,34 @@
                   <a:srgbClr val="00B050"/>
                 </a:solidFill>
               </a:rPr>
-              <a:t>Lecture </a:t>
-            </a:r>
-            <a:r>
-              <a:rPr lang="en-US" altLang="en-US" sz="1800" dirty="0" smtClean="0">
+              <a:t>Lecture</a:t>
+            </a:r>
+            <a:r>
+              <a:rPr lang="en-US" altLang="en-US" sz="1800" dirty="0">
+                <a:solidFill>
+                  <a:schemeClr val="bg1">
+                    <a:lumMod val="50000"/>
+                    <a:lumOff val="50000"/>
+                  </a:schemeClr>
+                </a:solidFill>
+              </a:rPr>
+              <a:t> </a:t>
+            </a:r>
+            <a:r>
+              <a:rPr lang="en-US" altLang="en-US" sz="1800" dirty="0">
                 <a:solidFill>
                   <a:srgbClr val="00B050"/>
                 </a:solidFill>
               </a:rPr>
-              <a:t>2a, </a:t>
+              <a:t>2a,  Nov 1</a:t>
+            </a:r>
+            <a:r>
+              <a:rPr lang="en-US" altLang="en-US" sz="1800" baseline="30000" dirty="0">
+                <a:solidFill>
+                  <a:srgbClr val="00B050"/>
+                </a:solidFill>
+              </a:rPr>
+              <a:t>st</a:t>
             </a:r>
             <a:r>
               <a:rPr lang="en-US" altLang="en-US" sz="1800" dirty="0">
@@ -8269,14 +8225,14 @@
                   <a:srgbClr val="00B050"/>
                 </a:solidFill>
               </a:rPr>
-              <a:t>May 2017</a:t>
-            </a:r>
-          </a:p>
-        </p:txBody>
-      </p:sp>
-      <p:sp>
-        <p:nvSpPr>
-          <p:cNvPr id="23562" name="Subtitle 2"/>
+              <a:t> 2017</a:t>
+            </a:r>
+          </a:p>
+        </p:txBody>
+      </p:sp>
+      <p:sp>
+        <p:nvSpPr>
+          <p:cNvPr id="11274" name="Subtitle 2"/>
           <p:cNvSpPr txBox="1">
             <a:spLocks/>
           </p:cNvSpPr>
@@ -8480,7 +8436,7 @@
               <a:buNone/>
             </a:pPr>
             <a:r>
-              <a:rPr lang="en-US" altLang="en-US" sz="2000" i="1">
+              <a:rPr lang="en-US" altLang="en-US" sz="2000" i="1" dirty="0">
                 <a:solidFill>
                   <a:srgbClr val="27AFE5"/>
                 </a:solidFill>
@@ -8525,97 +8481,46 @@
           </a:fontRef>
         </p:style>
       </p:cxnSp>
+      <p:pic>
+        <p:nvPicPr>
+          <p:cNvPr id="4" name="Picture 3">
+            <a:extLst>
+              <a:ext uri="{FF2B5EF4-FFF2-40B4-BE49-F238E27FC236}">
+                <a16:creationId xmlns:a16="http://schemas.microsoft.com/office/drawing/2014/main" id="{C65DC03F-AEEF-4777-8132-3DBBB17CD723}"/>
+              </a:ext>
+            </a:extLst>
+          </p:cNvPr>
+          <p:cNvPicPr>
+            <a:picLocks noChangeAspect="1"/>
+          </p:cNvPicPr>
+          <p:nvPr/>
+        </p:nvPicPr>
+        <p:blipFill>
+          <a:blip r:embed="rId5"/>
+          <a:stretch>
+            <a:fillRect/>
+          </a:stretch>
+        </p:blipFill>
+        <p:spPr>
+          <a:xfrm>
+            <a:off x="7116763" y="4171016"/>
+            <a:ext cx="1057419" cy="793065"/>
+          </a:xfrm>
+          <a:prstGeom prst="rect">
+            <a:avLst/>
+          </a:prstGeom>
+        </p:spPr>
+      </p:pic>
     </p:spTree>
+    <p:extLst>
+      <p:ext uri="{BB962C8B-B14F-4D97-AF65-F5344CB8AC3E}">
+        <p14:creationId xmlns:p14="http://schemas.microsoft.com/office/powerpoint/2010/main" val="2452033453"/>
+      </p:ext>
+    </p:extLst>
   </p:cSld>
   <p:clrMapOvr>
     <a:masterClrMapping/>
   </p:clrMapOvr>
-  <p:timing>
-    <p:tnLst>
-      <p:par>
-        <p:cTn id="1" dur="indefinite" restart="never" nodeType="tmRoot">
-          <p:childTnLst>
-            <p:seq concurrent="1" nextAc="seek">
-              <p:cTn id="2" dur="indefinite" nodeType="mainSeq">
-                <p:childTnLst>
-                  <p:par>
-                    <p:cTn id="3" fill="hold" nodeType="clickPar">
-                      <p:stCondLst>
-                        <p:cond delay="indefinite"/>
-                        <p:cond evt="onBegin" delay="0">
-                          <p:tn val="2"/>
-                        </p:cond>
-                      </p:stCondLst>
-                      <p:childTnLst>
-                        <p:par>
-                          <p:cTn id="4" fill="hold" nodeType="withGroup">
-                            <p:stCondLst>
-                              <p:cond delay="0"/>
-                            </p:stCondLst>
-                            <p:childTnLst>
-                              <p:par>
-                                <p:cTn id="5" presetID="10" presetClass="entr" presetSubtype="0" fill="hold" nodeType="withEffect">
-                                  <p:stCondLst>
-                                    <p:cond delay="0"/>
-                                  </p:stCondLst>
-                                  <p:childTnLst>
-                                    <p:set>
-                                      <p:cBhvr>
-                                        <p:cTn id="6" dur="1" fill="hold">
-                                          <p:stCondLst>
-                                            <p:cond delay="0"/>
-                                          </p:stCondLst>
-                                        </p:cTn>
-                                        <p:tgtEl>
-                                          <p:spTgt spid="13"/>
-                                        </p:tgtEl>
-                                        <p:attrNameLst>
-                                          <p:attrName>style.visibility</p:attrName>
-                                        </p:attrNameLst>
-                                      </p:cBhvr>
-                                      <p:to>
-                                        <p:strVal val="visible"/>
-                                      </p:to>
-                                    </p:set>
-                                    <p:animEffect transition="in" filter="fade">
-                                      <p:cBhvr>
-                                        <p:cTn id="7" dur="500"/>
-                                        <p:tgtEl>
-                                          <p:spTgt spid="13"/>
-                                        </p:tgtEl>
-                                      </p:cBhvr>
-                                    </p:animEffect>
-                                  </p:childTnLst>
-                                </p:cTn>
-                              </p:par>
-                            </p:childTnLst>
-                          </p:cTn>
-                        </p:par>
-                      </p:childTnLst>
-                    </p:cTn>
-                  </p:par>
-                </p:childTnLst>
-              </p:cTn>
-              <p:prevCondLst>
-                <p:cond evt="onPrev" delay="0">
-                  <p:tgtEl>
-                    <p:sldTgt/>
-                  </p:tgtEl>
-                </p:cond>
-              </p:prevCondLst>
-              <p:nextCondLst>
-                <p:cond evt="onNext" delay="0">
-                  <p:tgtEl>
-                    <p:sldTgt/>
-                  </p:tgtEl>
-                </p:cond>
-              </p:nextCondLst>
-            </p:seq>
-          </p:childTnLst>
-        </p:cTn>
-      </p:par>
-    </p:tnLst>
-  </p:timing>
 </p:sld>
 </file>
 
@@ -8657,9 +8562,9 @@
           <a:lstStyle/>
           <a:p>
             <a:r>
-              <a:rPr lang="en-CA" altLang="en-US" b="1" dirty="0" smtClean="0">
-                <a:solidFill>
-                  <a:srgbClr val="F6BB00"/>
+              <a:rPr lang="en-CA" altLang="en-US" b="1" dirty="0">
+                <a:solidFill>
+                  <a:srgbClr val="00B050"/>
                 </a:solidFill>
               </a:rPr>
               <a:t>Agenda</a:t>
@@ -8695,10 +8600,9 @@
               <a:buAutoNum type="arabicPeriod"/>
             </a:pPr>
             <a:r>
-              <a:rPr lang="en-CA" sz="2800" dirty="0" smtClean="0"/>
+              <a:rPr lang="en-CA" sz="2800" dirty="0"/>
               <a:t>Installation</a:t>
             </a:r>
-            <a:endParaRPr lang="en-CA" sz="2800" dirty="0"/>
           </a:p>
           <a:p>
             <a:pPr marL="514350" lvl="0" indent="-514350">
@@ -8709,7 +8613,7 @@
               <a:buAutoNum type="arabicPeriod"/>
             </a:pPr>
             <a:r>
-              <a:rPr lang="en-CA" sz="2800" dirty="0" smtClean="0"/>
+              <a:rPr lang="en-CA" sz="2800" dirty="0"/>
               <a:t>Loading the package</a:t>
             </a:r>
           </a:p>
@@ -8722,7 +8626,7 @@
               <a:buAutoNum type="arabicPeriod"/>
             </a:pPr>
             <a:r>
-              <a:rPr lang="en-CA" sz="2800" dirty="0" smtClean="0"/>
+              <a:rPr lang="en-CA" sz="2800" dirty="0"/>
               <a:t>Setting up parallel processing</a:t>
             </a:r>
           </a:p>
@@ -8735,7 +8639,7 @@
               <a:buAutoNum type="arabicPeriod"/>
             </a:pPr>
             <a:r>
-              <a:rPr lang="en-CA" sz="2800" dirty="0" smtClean="0"/>
+              <a:rPr lang="en-CA" sz="2800" dirty="0"/>
               <a:t>Check installation and test run </a:t>
             </a:r>
           </a:p>
@@ -8748,10 +8652,9 @@
               <a:buAutoNum type="arabicPeriod"/>
             </a:pPr>
             <a:r>
-              <a:rPr lang="en-CA" sz="2800" dirty="0" smtClean="0"/>
+              <a:rPr lang="en-CA" sz="2800" dirty="0"/>
               <a:t>Getting help</a:t>
             </a:r>
-            <a:endParaRPr lang="en-CA" sz="2800" dirty="0"/>
           </a:p>
         </p:txBody>
       </p:sp>
@@ -8760,13 +8663,6 @@
   <p:clrMapOvr>
     <a:masterClrMapping/>
   </p:clrMapOvr>
-  <p:timing>
-    <p:tnLst>
-      <p:par>
-        <p:cTn id="1" dur="indefinite" restart="never" nodeType="tmRoot"/>
-      </p:par>
-    </p:tnLst>
-  </p:timing>
 </p:sld>
 </file>
 
@@ -8803,10 +8699,9 @@
           <a:lstStyle/>
           <a:p>
             <a:r>
-              <a:rPr lang="en-CA" dirty="0" smtClean="0"/>
+              <a:rPr lang="en-CA" dirty="0"/>
               <a:t>1. Installation</a:t>
             </a:r>
-            <a:endParaRPr lang="en-CA" dirty="0"/>
           </a:p>
         </p:txBody>
       </p:sp>
@@ -8834,7 +8729,7 @@
               <a:buNone/>
             </a:pPr>
             <a:r>
-              <a:rPr lang="en-CA" dirty="0" smtClean="0"/>
+              <a:rPr lang="en-CA" dirty="0"/>
               <a:t>Two software packages must be installed first:</a:t>
             </a:r>
           </a:p>
@@ -8852,24 +8747,24 @@
               <a:buNone/>
             </a:pPr>
             <a:r>
-              <a:rPr lang="en-CA" dirty="0" smtClean="0"/>
+              <a:rPr lang="en-CA" dirty="0"/>
               <a:t>- </a:t>
             </a:r>
             <a:r>
-              <a:rPr lang="en-CA" dirty="0" err="1" smtClean="0"/>
+              <a:rPr lang="en-CA" dirty="0" err="1"/>
               <a:t>RStudio</a:t>
             </a:r>
             <a:r>
-              <a:rPr lang="en-CA" dirty="0" smtClean="0"/>
+              <a:rPr lang="en-CA" dirty="0"/>
               <a:t>    	</a:t>
             </a:r>
             <a:r>
-              <a:rPr lang="en-CA" dirty="0" smtClean="0">
+              <a:rPr lang="en-CA" dirty="0">
                 <a:solidFill>
                   <a:srgbClr val="F6BB00"/>
                 </a:solidFill>
               </a:rPr>
-              <a:t>/Software/Rstudio-1.0136.exe</a:t>
+              <a:t>/Software/Rstudio-1.1.383.exe</a:t>
             </a:r>
           </a:p>
           <a:p>
@@ -8880,16 +8775,16 @@
               <a:buNone/>
             </a:pPr>
             <a:r>
-              <a:rPr lang="en-CA" dirty="0" smtClean="0"/>
+              <a:rPr lang="en-CA" dirty="0"/>
               <a:t>- R                 		</a:t>
             </a:r>
             <a:r>
-              <a:rPr lang="en-CA" dirty="0" smtClean="0">
+              <a:rPr lang="en-CA" dirty="0">
                 <a:solidFill>
                   <a:srgbClr val="F6BB00"/>
                 </a:solidFill>
               </a:rPr>
-              <a:t>/Software/R-3.3.3-win.exe</a:t>
+              <a:t>/Software/R-3.4.2-win.exe</a:t>
             </a:r>
           </a:p>
         </p:txBody>
@@ -8940,10 +8835,9 @@
           <a:lstStyle/>
           <a:p>
             <a:r>
-              <a:rPr lang="en-CA" dirty="0" smtClean="0"/>
+              <a:rPr lang="en-CA" dirty="0"/>
               <a:t>2. Loading the package</a:t>
             </a:r>
-            <a:endParaRPr lang="en-CA" dirty="0"/>
           </a:p>
         </p:txBody>
       </p:sp>
@@ -8971,15 +8865,15 @@
               <a:buNone/>
             </a:pPr>
             <a:r>
-              <a:rPr lang="en-CA" dirty="0" smtClean="0"/>
+              <a:rPr lang="en-CA" dirty="0"/>
               <a:t>&gt; </a:t>
             </a:r>
             <a:r>
-              <a:rPr lang="en-CA" dirty="0" err="1" smtClean="0"/>
+              <a:rPr lang="en-CA" dirty="0" err="1"/>
               <a:t>install.packages</a:t>
             </a:r>
             <a:r>
-              <a:rPr lang="en-CA" dirty="0" smtClean="0"/>
+              <a:rPr lang="en-CA" dirty="0"/>
               <a:t>(‘DLMtool’)</a:t>
             </a:r>
           </a:p>
@@ -8988,7 +8882,7 @@
               <a:buNone/>
             </a:pPr>
             <a:r>
-              <a:rPr lang="en-CA" dirty="0" smtClean="0"/>
+              <a:rPr lang="en-CA" dirty="0"/>
               <a:t>&gt; library(DLMtool)</a:t>
             </a:r>
           </a:p>
@@ -9206,10 +9100,9 @@
           </a:lstStyle>
           <a:p>
             <a:r>
-              <a:rPr lang="en-CA" dirty="0" smtClean="0"/>
+              <a:rPr lang="en-CA" dirty="0"/>
               <a:t>3. Setting up parallel processing</a:t>
             </a:r>
-            <a:endParaRPr lang="en-CA" dirty="0"/>
           </a:p>
         </p:txBody>
       </p:sp>
@@ -9444,7 +9337,7 @@
               <a:buNone/>
             </a:pPr>
             <a:r>
-              <a:rPr lang="en-CA" dirty="0" smtClean="0"/>
+              <a:rPr lang="en-CA" dirty="0"/>
               <a:t>&gt; version</a:t>
             </a:r>
           </a:p>
@@ -9454,15 +9347,15 @@
               <a:buNone/>
             </a:pPr>
             <a:r>
-              <a:rPr lang="en-CA" dirty="0" smtClean="0"/>
+              <a:rPr lang="en-CA" dirty="0"/>
               <a:t>&gt; </a:t>
             </a:r>
             <a:r>
-              <a:rPr lang="en-CA" dirty="0" err="1" smtClean="0"/>
+              <a:rPr lang="en-CA" dirty="0" err="1"/>
               <a:t>packageVersion</a:t>
             </a:r>
             <a:r>
-              <a:rPr lang="en-CA" dirty="0" smtClean="0"/>
+              <a:rPr lang="en-CA" dirty="0"/>
               <a:t>(‘DLMtool’)</a:t>
             </a:r>
           </a:p>
@@ -9472,22 +9365,17 @@
               <a:buNone/>
             </a:pPr>
             <a:r>
-              <a:rPr lang="en-CA" dirty="0" smtClean="0"/>
+              <a:rPr lang="en-CA" dirty="0"/>
               <a:t>&gt; </a:t>
             </a:r>
             <a:r>
-              <a:rPr lang="en-CA" dirty="0" smtClean="0"/>
-              <a:t>runMSE(</a:t>
-            </a:r>
-            <a:r>
-              <a:rPr lang="en-CA" dirty="0" err="1" smtClean="0"/>
-              <a:t>testOM</a:t>
-            </a:r>
-            <a:r>
-              <a:rPr lang="en-CA" dirty="0" smtClean="0"/>
-              <a:t>)</a:t>
-            </a:r>
-            <a:endParaRPr lang="en-CA" dirty="0" smtClean="0"/>
+              <a:rPr lang="en-CA" dirty="0" err="1"/>
+              <a:t>runMSE</a:t>
+            </a:r>
+            <a:r>
+              <a:rPr lang="en-CA" dirty="0"/>
+              <a:t>()</a:t>
+            </a:r>
           </a:p>
           <a:p>
             <a:pPr marL="0" indent="0">
@@ -9729,7 +9617,7 @@
               <a:buNone/>
             </a:pPr>
             <a:r>
-              <a:rPr lang="en-CA" dirty="0" smtClean="0"/>
+              <a:rPr lang="en-CA" dirty="0"/>
               <a:t>&gt; setup()</a:t>
             </a:r>
           </a:p>
@@ -9738,7 +9626,7 @@
               <a:buFont typeface="Arial" charset="0"/>
               <a:buNone/>
             </a:pPr>
-            <a:endParaRPr lang="en-CA" dirty="0" smtClean="0"/>
+            <a:endParaRPr lang="en-CA" dirty="0"/>
           </a:p>
           <a:p>
             <a:pPr marL="0" indent="0">
@@ -9955,10 +9843,9 @@
           </a:lstStyle>
           <a:p>
             <a:r>
-              <a:rPr lang="en-CA" dirty="0" smtClean="0"/>
+              <a:rPr lang="en-CA" dirty="0"/>
               <a:t>4. Check installation and test run</a:t>
             </a:r>
-            <a:endParaRPr lang="en-CA" dirty="0"/>
           </a:p>
         </p:txBody>
       </p:sp>
@@ -10008,10 +9895,9 @@
           <a:lstStyle/>
           <a:p>
             <a:r>
-              <a:rPr lang="en-CA" dirty="0" smtClean="0"/>
-              <a:t>Getting help</a:t>
-            </a:r>
-            <a:endParaRPr lang="en-CA" dirty="0"/>
+              <a:rPr lang="en-CA" dirty="0"/>
+              <a:t>Getting help with installation</a:t>
+            </a:r>
           </a:p>
         </p:txBody>
       </p:sp>
@@ -10045,11 +9931,11 @@
               <a:buNone/>
             </a:pPr>
             <a:r>
-              <a:rPr lang="en-CA" dirty="0" smtClean="0"/>
+              <a:rPr lang="en-CA" dirty="0"/>
               <a:t>Installation R script:        </a:t>
             </a:r>
             <a:r>
-              <a:rPr lang="en-CA" dirty="0" smtClean="0">
+              <a:rPr lang="en-CA" dirty="0">
                 <a:solidFill>
                   <a:srgbClr val="27AFE5"/>
                 </a:solidFill>
@@ -10057,41 +9943,12 @@
               <a:t>/Help/</a:t>
             </a:r>
             <a:r>
-              <a:rPr lang="en-CA" dirty="0" err="1" smtClean="0">
+              <a:rPr lang="en-CA" dirty="0" err="1">
                 <a:solidFill>
                   <a:srgbClr val="27AFE5"/>
                 </a:solidFill>
               </a:rPr>
               <a:t>Installation.r</a:t>
-            </a:r>
-            <a:endParaRPr lang="en-CA" dirty="0" smtClean="0">
-              <a:solidFill>
-                <a:srgbClr val="27AFE5"/>
-              </a:solidFill>
-            </a:endParaRPr>
-          </a:p>
-          <a:p>
-            <a:pPr marL="0" indent="0">
-              <a:spcBef>
-                <a:spcPts val="2400"/>
-              </a:spcBef>
-              <a:buNone/>
-            </a:pPr>
-            <a:r>
-              <a:rPr lang="en-CA" dirty="0" smtClean="0">
-                <a:solidFill>
-                  <a:srgbClr val="0070C0"/>
-                </a:solidFill>
-              </a:rPr>
-              <a:t>DLMtool team: </a:t>
-            </a:r>
-            <a:r>
-              <a:rPr lang="en-CA" dirty="0" smtClean="0">
-                <a:solidFill>
-                  <a:srgbClr val="27AFE5"/>
-                </a:solidFill>
-              </a:rPr>
-              <a:t>		   t.carruthers@oceans.ubc.ca</a:t>
             </a:r>
             <a:endParaRPr lang="en-CA" dirty="0">
               <a:solidFill>
@@ -10102,6 +9959,30 @@
           <a:p>
             <a:pPr marL="0" indent="0">
               <a:spcBef>
+                <a:spcPts val="2400"/>
+              </a:spcBef>
+              <a:buNone/>
+            </a:pPr>
+            <a:r>
+              <a:rPr lang="en-CA" dirty="0">
+                <a:solidFill>
+                  <a:srgbClr val="0070C0"/>
+                </a:solidFill>
+              </a:rPr>
+              <a:t>DLMtool team: </a:t>
+            </a:r>
+            <a:r>
+              <a:rPr lang="en-CA" dirty="0">
+                <a:solidFill>
+                  <a:srgbClr val="27AFE5"/>
+                </a:solidFill>
+              </a:rPr>
+              <a:t>		   t.carruthers@oceans.ubc.ca</a:t>
+            </a:r>
+          </a:p>
+          <a:p>
+            <a:pPr marL="0" indent="0">
+              <a:spcBef>
                 <a:spcPts val="600"/>
               </a:spcBef>
               <a:buNone/>
@@ -10116,21 +9997,8 @@
                   <a:srgbClr val="27AFE5"/>
                 </a:solidFill>
               </a:rPr>
-              <a:t> </a:t>
-            </a:r>
-            <a:r>
-              <a:rPr lang="en-CA" dirty="0" smtClean="0">
-                <a:solidFill>
-                  <a:srgbClr val="27AFE5"/>
-                </a:solidFill>
-              </a:rPr>
-              <a:t>  a.hordyk@oceans.ubc.ca</a:t>
-            </a:r>
-            <a:endParaRPr lang="en-CA" dirty="0">
-              <a:solidFill>
-                <a:srgbClr val="27AFE5"/>
-              </a:solidFill>
-            </a:endParaRPr>
+              <a:t>   a.hordyk@oceans.ubc.ca</a:t>
+            </a:r>
           </a:p>
           <a:p>
             <a:pPr marL="0" indent="0">
@@ -10408,7 +10276,7 @@
   <a:extraClrSchemeLst/>
   <a:extLst>
     <a:ext uri="{05A4C25C-085E-4340-85A3-A5531E510DB2}">
-      <thm15:themeFamily xmlns="" xmlns:thm15="http://schemas.microsoft.com/office/thememl/2012/main" name="Depth" id="{7BEAFC2A-325C-49C4-AC08-2B765DA903F9}" vid="{1735E755-43E6-43AA-ABA2-C989ECC79AF5}"/>
+      <thm15:themeFamily xmlns:thm15="http://schemas.microsoft.com/office/thememl/2012/main" name="Depth" id="{7BEAFC2A-325C-49C4-AC08-2B765DA903F9}" vid="{1735E755-43E6-43AA-ABA2-C989ECC79AF5}"/>
     </a:ext>
   </a:extLst>
 </a:theme>

--- a/Disused code/Misc/DLM_DFO/Lectures/2 Running DLMtool/L2a Getting started.pptx
+++ b/Disused code/Misc/DLM_DFO/Lectures/2 Running DLMtool/L2a Getting started.pptx
@@ -246,7 +246,7 @@
           <a:p>
             <a:fld id="{9BAD1153-3785-4251-ACAF-9DA529809DB7}" type="datetimeFigureOut">
               <a:rPr lang="en-CA" smtClean="0"/>
-              <a:t>2017-10-18</a:t>
+              <a:t>2017-10-31</a:t>
             </a:fld>
             <a:endParaRPr lang="en-CA"/>
           </a:p>
@@ -720,7 +720,7 @@
               <a:pPr>
                 <a:defRPr/>
               </a:pPr>
-              <a:t>10/18/2017</a:t>
+              <a:t>10/31/2017</a:t>
             </a:fld>
             <a:endParaRPr lang="en-US" dirty="0"/>
           </a:p>
@@ -1095,7 +1095,7 @@
               <a:pPr>
                 <a:defRPr/>
               </a:pPr>
-              <a:t>10/18/2017</a:t>
+              <a:t>10/31/2017</a:t>
             </a:fld>
             <a:endParaRPr lang="en-US" dirty="0"/>
           </a:p>
@@ -1378,7 +1378,7 @@
               <a:pPr>
                 <a:defRPr/>
               </a:pPr>
-              <a:t>10/18/2017</a:t>
+              <a:t>10/31/2017</a:t>
             </a:fld>
             <a:endParaRPr lang="en-US" dirty="0"/>
           </a:p>
@@ -1972,7 +1972,7 @@
               <a:pPr>
                 <a:defRPr/>
               </a:pPr>
-              <a:t>10/18/2017</a:t>
+              <a:t>10/31/2017</a:t>
             </a:fld>
             <a:endParaRPr lang="en-US" dirty="0"/>
           </a:p>
@@ -2257,7 +2257,7 @@
               <a:pPr>
                 <a:defRPr/>
               </a:pPr>
-              <a:t>10/18/2017</a:t>
+              <a:t>10/31/2017</a:t>
             </a:fld>
             <a:endParaRPr lang="en-US" dirty="0"/>
           </a:p>
@@ -2890,7 +2890,7 @@
               <a:pPr>
                 <a:defRPr/>
               </a:pPr>
-              <a:t>10/18/2017</a:t>
+              <a:t>10/31/2017</a:t>
             </a:fld>
             <a:endParaRPr lang="en-US" dirty="0"/>
           </a:p>
@@ -3815,7 +3815,7 @@
               <a:pPr>
                 <a:defRPr/>
               </a:pPr>
-              <a:t>10/18/2017</a:t>
+              <a:t>10/31/2017</a:t>
             </a:fld>
             <a:endParaRPr lang="en-US" dirty="0"/>
           </a:p>
@@ -4076,7 +4076,7 @@
               <a:pPr>
                 <a:defRPr/>
               </a:pPr>
-              <a:t>10/18/2017</a:t>
+              <a:t>10/31/2017</a:t>
             </a:fld>
             <a:endParaRPr lang="en-US" dirty="0"/>
           </a:p>
@@ -4347,7 +4347,7 @@
               <a:pPr>
                 <a:defRPr/>
               </a:pPr>
-              <a:t>10/18/2017</a:t>
+              <a:t>10/31/2017</a:t>
             </a:fld>
             <a:endParaRPr lang="en-US" dirty="0"/>
           </a:p>
@@ -4613,7 +4613,7 @@
               <a:pPr>
                 <a:defRPr/>
               </a:pPr>
-              <a:t>10/18/2017</a:t>
+              <a:t>10/31/2017</a:t>
             </a:fld>
             <a:endParaRPr lang="en-US" dirty="0"/>
           </a:p>
@@ -4897,7 +4897,7 @@
               <a:pPr>
                 <a:defRPr/>
               </a:pPr>
-              <a:t>10/18/2017</a:t>
+              <a:t>10/31/2017</a:t>
             </a:fld>
             <a:endParaRPr lang="en-US" dirty="0"/>
           </a:p>
@@ -5156,7 +5156,7 @@
               <a:pPr>
                 <a:defRPr/>
               </a:pPr>
-              <a:t>10/18/2017</a:t>
+              <a:t>10/31/2017</a:t>
             </a:fld>
             <a:endParaRPr lang="en-US" dirty="0"/>
           </a:p>
@@ -5576,7 +5576,7 @@
               <a:pPr>
                 <a:defRPr/>
               </a:pPr>
-              <a:t>10/18/2017</a:t>
+              <a:t>10/31/2017</a:t>
             </a:fld>
             <a:endParaRPr lang="en-US" dirty="0"/>
           </a:p>
@@ -5721,7 +5721,7 @@
               <a:pPr>
                 <a:defRPr/>
               </a:pPr>
-              <a:t>10/18/2017</a:t>
+              <a:t>10/31/2017</a:t>
             </a:fld>
             <a:endParaRPr lang="en-US" dirty="0"/>
           </a:p>
@@ -5843,7 +5843,7 @@
               <a:pPr>
                 <a:defRPr/>
               </a:pPr>
-              <a:t>10/18/2017</a:t>
+              <a:t>10/31/2017</a:t>
             </a:fld>
             <a:endParaRPr lang="en-US" dirty="0"/>
           </a:p>
@@ -6145,7 +6145,7 @@
               <a:pPr>
                 <a:defRPr/>
               </a:pPr>
-              <a:t>10/18/2017</a:t>
+              <a:t>10/31/2017</a:t>
             </a:fld>
             <a:endParaRPr lang="en-US" dirty="0"/>
           </a:p>
@@ -6458,7 +6458,7 @@
               <a:pPr>
                 <a:defRPr/>
               </a:pPr>
-              <a:t>10/18/2017</a:t>
+              <a:t>10/31/2017</a:t>
             </a:fld>
             <a:endParaRPr lang="en-US" dirty="0"/>
           </a:p>
@@ -6772,7 +6772,7 @@
               <a:pPr>
                 <a:defRPr/>
               </a:pPr>
-              <a:t>10/18/2017</a:t>
+              <a:t>10/31/2017</a:t>
             </a:fld>
             <a:endParaRPr lang="en-US" dirty="0"/>
           </a:p>
@@ -7427,7 +7427,7 @@
                   <a:srgbClr val="27AFE5"/>
                 </a:solidFill>
               </a:rPr>
-              <a:t>Data-Limited Fisheries Toolkit </a:t>
+              <a:t>Data-Limited Methods Toolkit </a:t>
             </a:r>
           </a:p>
         </p:txBody>
@@ -8768,6 +8768,41 @@
             </a:r>
           </a:p>
           <a:p>
+            <a:pPr>
+              <a:spcBef>
+                <a:spcPts val="2400"/>
+              </a:spcBef>
+              <a:buFontTx/>
+              <a:buChar char="-"/>
+            </a:pPr>
+            <a:r>
+              <a:rPr lang="en-CA" dirty="0"/>
+              <a:t>R                 		</a:t>
+            </a:r>
+            <a:r>
+              <a:rPr lang="en-CA" dirty="0">
+                <a:solidFill>
+                  <a:srgbClr val="F6BB00"/>
+                </a:solidFill>
+              </a:rPr>
+              <a:t>/Software/R-3.4.2-win.exe</a:t>
+            </a:r>
+          </a:p>
+          <a:p>
+            <a:pPr>
+              <a:spcBef>
+                <a:spcPts val="2400"/>
+              </a:spcBef>
+              <a:buFontTx/>
+              <a:buChar char="-"/>
+            </a:pPr>
+            <a:endParaRPr lang="en-CA" dirty="0">
+              <a:solidFill>
+                <a:srgbClr val="F6BB00"/>
+              </a:solidFill>
+            </a:endParaRPr>
+          </a:p>
+          <a:p>
             <a:pPr marL="0" indent="0">
               <a:spcBef>
                 <a:spcPts val="2400"/>
@@ -8776,16 +8811,51 @@
             </a:pPr>
             <a:r>
               <a:rPr lang="en-CA" dirty="0"/>
-              <a:t>- R                 		</a:t>
-            </a:r>
-            <a:r>
-              <a:rPr lang="en-CA" dirty="0">
-                <a:solidFill>
-                  <a:srgbClr val="F6BB00"/>
-                </a:solidFill>
-              </a:rPr>
-              <a:t>/Software/R-3.4.2-win.exe</a:t>
-            </a:r>
+              <a:t>Then from the R prompt: </a:t>
+            </a:r>
+          </a:p>
+          <a:p>
+            <a:pPr marL="0" indent="0">
+              <a:spcBef>
+                <a:spcPts val="2400"/>
+              </a:spcBef>
+              <a:buNone/>
+            </a:pPr>
+            <a:r>
+              <a:rPr lang="en-CA" dirty="0"/>
+              <a:t>&gt; </a:t>
+            </a:r>
+            <a:r>
+              <a:rPr lang="en-CA" dirty="0" err="1"/>
+              <a:t>install.packages</a:t>
+            </a:r>
+            <a:r>
+              <a:rPr lang="en-CA" dirty="0"/>
+              <a:t>(‘DLMtool’)</a:t>
+            </a:r>
+          </a:p>
+          <a:p>
+            <a:pPr marL="0" indent="0">
+              <a:spcBef>
+                <a:spcPts val="2400"/>
+              </a:spcBef>
+              <a:buNone/>
+            </a:pPr>
+            <a:endParaRPr lang="en-CA" dirty="0"/>
+          </a:p>
+          <a:p>
+            <a:pPr>
+              <a:spcBef>
+                <a:spcPts val="2400"/>
+              </a:spcBef>
+              <a:buFontTx/>
+              <a:buChar char="-"/>
+            </a:pPr>
+            <a:endParaRPr lang="en-CA" dirty="0">
+              <a:solidFill>
+                <a:srgbClr val="F6BB00"/>
+              </a:solidFill>
+            </a:endParaRPr>
           </a:p>
         </p:txBody>
       </p:sp>
@@ -8829,7 +8899,12 @@
             <p:ph type="title"/>
           </p:nvPr>
         </p:nvSpPr>
-        <p:spPr/>
+        <p:spPr>
+          <a:xfrm>
+            <a:off x="620324" y="799666"/>
+            <a:ext cx="7886700" cy="1325563"/>
+          </a:xfrm>
+        </p:spPr>
         <p:txBody>
           <a:bodyPr/>
           <a:lstStyle/>
@@ -8853,30 +8928,13 @@
         </p:nvSpPr>
         <p:spPr>
           <a:xfrm>
-            <a:off x="839788" y="1576568"/>
-            <a:ext cx="7675562" cy="1243335"/>
+            <a:off x="826734" y="1835513"/>
+            <a:ext cx="7675562" cy="729392"/>
           </a:xfrm>
         </p:spPr>
         <p:txBody>
           <a:bodyPr/>
           <a:lstStyle/>
-          <a:p>
-            <a:pPr marL="0" indent="0">
-              <a:buNone/>
-            </a:pPr>
-            <a:r>
-              <a:rPr lang="en-CA" dirty="0"/>
-              <a:t>&gt; </a:t>
-            </a:r>
-            <a:r>
-              <a:rPr lang="en-CA" dirty="0" err="1"/>
-              <a:t>install.packages</a:t>
-            </a:r>
-            <a:r>
-              <a:rPr lang="en-CA" dirty="0"/>
-              <a:t>(‘DLMtool’)</a:t>
-            </a:r>
-          </a:p>
           <a:p>
             <a:pPr marL="0" indent="0">
               <a:buNone/>
